--- a/prezentacja2.pptx
+++ b/prezentacja2.pptx
@@ -261,7 +261,7 @@
           <a:p>
             <a:fld id="{E6A2E73F-7595-4B6C-AD98-F4BC438EC655}" type="datetimeFigureOut">
               <a:rPr lang="pl-PL" smtClean="0"/>
-              <a:t>16.03.2019</a:t>
+              <a:t>21.03.2019</a:t>
             </a:fld>
             <a:endParaRPr lang="pl-PL"/>
           </a:p>
@@ -431,7 +431,7 @@
           <a:p>
             <a:fld id="{E6A2E73F-7595-4B6C-AD98-F4BC438EC655}" type="datetimeFigureOut">
               <a:rPr lang="pl-PL" smtClean="0"/>
-              <a:t>16.03.2019</a:t>
+              <a:t>21.03.2019</a:t>
             </a:fld>
             <a:endParaRPr lang="pl-PL"/>
           </a:p>
@@ -611,7 +611,7 @@
           <a:p>
             <a:fld id="{E6A2E73F-7595-4B6C-AD98-F4BC438EC655}" type="datetimeFigureOut">
               <a:rPr lang="pl-PL" smtClean="0"/>
-              <a:t>16.03.2019</a:t>
+              <a:t>21.03.2019</a:t>
             </a:fld>
             <a:endParaRPr lang="pl-PL"/>
           </a:p>
@@ -781,7 +781,7 @@
           <a:p>
             <a:fld id="{E6A2E73F-7595-4B6C-AD98-F4BC438EC655}" type="datetimeFigureOut">
               <a:rPr lang="pl-PL" smtClean="0"/>
-              <a:t>16.03.2019</a:t>
+              <a:t>21.03.2019</a:t>
             </a:fld>
             <a:endParaRPr lang="pl-PL"/>
           </a:p>
@@ -1027,7 +1027,7 @@
           <a:p>
             <a:fld id="{E6A2E73F-7595-4B6C-AD98-F4BC438EC655}" type="datetimeFigureOut">
               <a:rPr lang="pl-PL" smtClean="0"/>
-              <a:t>16.03.2019</a:t>
+              <a:t>21.03.2019</a:t>
             </a:fld>
             <a:endParaRPr lang="pl-PL"/>
           </a:p>
@@ -1259,7 +1259,7 @@
           <a:p>
             <a:fld id="{E6A2E73F-7595-4B6C-AD98-F4BC438EC655}" type="datetimeFigureOut">
               <a:rPr lang="pl-PL" smtClean="0"/>
-              <a:t>16.03.2019</a:t>
+              <a:t>21.03.2019</a:t>
             </a:fld>
             <a:endParaRPr lang="pl-PL"/>
           </a:p>
@@ -1626,7 +1626,7 @@
           <a:p>
             <a:fld id="{E6A2E73F-7595-4B6C-AD98-F4BC438EC655}" type="datetimeFigureOut">
               <a:rPr lang="pl-PL" smtClean="0"/>
-              <a:t>16.03.2019</a:t>
+              <a:t>21.03.2019</a:t>
             </a:fld>
             <a:endParaRPr lang="pl-PL"/>
           </a:p>
@@ -1744,7 +1744,7 @@
           <a:p>
             <a:fld id="{E6A2E73F-7595-4B6C-AD98-F4BC438EC655}" type="datetimeFigureOut">
               <a:rPr lang="pl-PL" smtClean="0"/>
-              <a:t>16.03.2019</a:t>
+              <a:t>21.03.2019</a:t>
             </a:fld>
             <a:endParaRPr lang="pl-PL"/>
           </a:p>
@@ -1839,7 +1839,7 @@
           <a:p>
             <a:fld id="{E6A2E73F-7595-4B6C-AD98-F4BC438EC655}" type="datetimeFigureOut">
               <a:rPr lang="pl-PL" smtClean="0"/>
-              <a:t>16.03.2019</a:t>
+              <a:t>21.03.2019</a:t>
             </a:fld>
             <a:endParaRPr lang="pl-PL"/>
           </a:p>
@@ -2116,7 +2116,7 @@
           <a:p>
             <a:fld id="{E6A2E73F-7595-4B6C-AD98-F4BC438EC655}" type="datetimeFigureOut">
               <a:rPr lang="pl-PL" smtClean="0"/>
-              <a:t>16.03.2019</a:t>
+              <a:t>21.03.2019</a:t>
             </a:fld>
             <a:endParaRPr lang="pl-PL"/>
           </a:p>
@@ -2369,7 +2369,7 @@
           <a:p>
             <a:fld id="{E6A2E73F-7595-4B6C-AD98-F4BC438EC655}" type="datetimeFigureOut">
               <a:rPr lang="pl-PL" smtClean="0"/>
-              <a:t>16.03.2019</a:t>
+              <a:t>21.03.2019</a:t>
             </a:fld>
             <a:endParaRPr lang="pl-PL"/>
           </a:p>
@@ -2582,7 +2582,7 @@
           <a:p>
             <a:fld id="{E6A2E73F-7595-4B6C-AD98-F4BC438EC655}" type="datetimeFigureOut">
               <a:rPr lang="pl-PL" smtClean="0"/>
-              <a:t>16.03.2019</a:t>
+              <a:t>21.03.2019</a:t>
             </a:fld>
             <a:endParaRPr lang="pl-PL"/>
           </a:p>
@@ -3114,8 +3114,8 @@
           </a:xfrm>
         </p:spPr>
       </p:pic>
-      <mc:AlternateContent xmlns:mc="http://schemas.openxmlformats.org/markup-compatibility/2006">
-        <mc:Choice xmlns:a14="http://schemas.microsoft.com/office/drawing/2010/main" Requires="a14">
+      <mc:AlternateContent xmlns:mc="http://schemas.openxmlformats.org/markup-compatibility/2006" xmlns:a14="http://schemas.microsoft.com/office/drawing/2010/main">
+        <mc:Choice Requires="a14">
           <p:sp>
             <p:nvSpPr>
               <p:cNvPr id="5" name="Prostokąt 4"/>
@@ -3161,7 +3161,7 @@
                       <m:jc m:val="centerGroup"/>
                     </m:oMathParaPr>
                     <m:oMath xmlns:m="http://schemas.openxmlformats.org/officeDocument/2006/math">
-                      <a:fld id="{C8E947DB-0486-4CFF-A410-3A0D69FE1F0B}" type="mathplaceholder">
+                      <a:fld id="{74EEDF60-5ACC-4FBF-BE36-8345328082C2}" type="mathplaceholder">
                         <a:rPr lang="pl-PL" i="1" smtClean="0">
                           <a:latin typeface="Cambria Math" panose="02040503050406030204" pitchFamily="18" charset="0"/>
                         </a:rPr>
@@ -3175,7 +3175,7 @@
             </p:txBody>
           </p:sp>
         </mc:Choice>
-        <mc:Fallback>
+        <mc:Fallback xmlns="">
           <p:sp>
             <p:nvSpPr>
               <p:cNvPr id="5" name="Prostokąt 4"/>
@@ -3214,8 +3214,8 @@
           </p:sp>
         </mc:Fallback>
       </mc:AlternateContent>
-      <mc:AlternateContent xmlns:mc="http://schemas.openxmlformats.org/markup-compatibility/2006">
-        <mc:Choice xmlns:a14="http://schemas.microsoft.com/office/drawing/2010/main" Requires="a14">
+      <mc:AlternateContent xmlns:mc="http://schemas.openxmlformats.org/markup-compatibility/2006" xmlns:a14="http://schemas.microsoft.com/office/drawing/2010/main">
+        <mc:Choice Requires="a14">
           <p:sp>
             <p:nvSpPr>
               <p:cNvPr id="6" name="pole tekstowe 5"/>
@@ -3734,13 +3734,7 @@
                                     <a:rPr lang="pl-PL" sz="2400" b="0" i="1" smtClean="0">
                                       <a:latin typeface="Cambria Math" panose="02040503050406030204" pitchFamily="18" charset="0"/>
                                     </a:rPr>
-                                    <m:t>+</m:t>
-                                  </m:r>
-                                  <m:r>
-                                    <a:rPr lang="pl-PL" sz="2400" b="0" i="1" smtClean="0">
-                                      <a:latin typeface="Cambria Math" panose="02040503050406030204" pitchFamily="18" charset="0"/>
-                                    </a:rPr>
-                                    <m:t>1/2,</m:t>
+                                    <m:t>+1/2,</m:t>
                                   </m:r>
                                   <m:r>
                                     <a:rPr lang="pl-PL" sz="2400" b="0" i="1" smtClean="0">
@@ -3906,7 +3900,7 @@
             </p:txBody>
           </p:sp>
         </mc:Choice>
-        <mc:Fallback>
+        <mc:Fallback xmlns="">
           <p:sp>
             <p:nvSpPr>
               <p:cNvPr id="6" name="pole tekstowe 5"/>
@@ -4085,8 +4079,8 @@
           </p:sp>
         </mc:Fallback>
       </mc:AlternateContent>
-      <mc:AlternateContent xmlns:mc="http://schemas.openxmlformats.org/markup-compatibility/2006">
-        <mc:Choice xmlns:a14="http://schemas.microsoft.com/office/drawing/2010/main" Requires="a14">
+      <mc:AlternateContent xmlns:mc="http://schemas.openxmlformats.org/markup-compatibility/2006" xmlns:a14="http://schemas.microsoft.com/office/drawing/2010/main">
+        <mc:Choice Requires="a14">
           <p:sp>
             <p:nvSpPr>
               <p:cNvPr id="11" name="Prostokąt 10"/>
@@ -4186,7 +4180,7 @@
             </p:txBody>
           </p:sp>
         </mc:Choice>
-        <mc:Fallback>
+        <mc:Fallback xmlns="">
           <p:sp>
             <p:nvSpPr>
               <p:cNvPr id="11" name="Prostokąt 10"/>
@@ -4301,8 +4295,8 @@
           </a:p>
         </p:txBody>
       </p:sp>
-      <mc:AlternateContent xmlns:mc="http://schemas.openxmlformats.org/markup-compatibility/2006">
-        <mc:Choice xmlns:a14="http://schemas.microsoft.com/office/drawing/2010/main" Requires="a14">
+      <mc:AlternateContent xmlns:mc="http://schemas.openxmlformats.org/markup-compatibility/2006" xmlns:a14="http://schemas.microsoft.com/office/drawing/2010/main">
+        <mc:Choice Requires="a14">
           <p:sp>
             <p:nvSpPr>
               <p:cNvPr id="12" name="pole tekstowe 11"/>
@@ -4590,7 +4584,7 @@
             </p:txBody>
           </p:sp>
         </mc:Choice>
-        <mc:Fallback>
+        <mc:Fallback xmlns="">
           <p:sp>
             <p:nvSpPr>
               <p:cNvPr id="12" name="pole tekstowe 11"/>
@@ -4629,8 +4623,8 @@
           </p:sp>
         </mc:Fallback>
       </mc:AlternateContent>
-      <mc:AlternateContent xmlns:mc="http://schemas.openxmlformats.org/markup-compatibility/2006">
-        <mc:Choice xmlns:a14="http://schemas.microsoft.com/office/drawing/2010/main" Requires="a14">
+      <mc:AlternateContent xmlns:mc="http://schemas.openxmlformats.org/markup-compatibility/2006" xmlns:a14="http://schemas.microsoft.com/office/drawing/2010/main">
+        <mc:Choice Requires="a14">
           <p:sp>
             <p:nvSpPr>
               <p:cNvPr id="17" name="Prostokąt 16"/>
@@ -4736,7 +4730,7 @@
             </p:txBody>
           </p:sp>
         </mc:Choice>
-        <mc:Fallback>
+        <mc:Fallback xmlns="">
           <p:sp>
             <p:nvSpPr>
               <p:cNvPr id="17" name="Prostokąt 16"/>
@@ -4893,8 +4887,8 @@
           </a:xfrm>
         </p:spPr>
       </p:pic>
-      <mc:AlternateContent xmlns:mc="http://schemas.openxmlformats.org/markup-compatibility/2006">
-        <mc:Choice xmlns:a14="http://schemas.microsoft.com/office/drawing/2010/main" Requires="a14">
+      <mc:AlternateContent xmlns:mc="http://schemas.openxmlformats.org/markup-compatibility/2006" xmlns:a14="http://schemas.microsoft.com/office/drawing/2010/main">
+        <mc:Choice Requires="a14">
           <p:sp>
             <p:nvSpPr>
               <p:cNvPr id="5" name="Prostokąt 4"/>
@@ -4940,7 +4934,7 @@
                       <m:jc m:val="centerGroup"/>
                     </m:oMathParaPr>
                     <m:oMath xmlns:m="http://schemas.openxmlformats.org/officeDocument/2006/math">
-                      <a:fld id="{7553A58C-93D8-40AC-952E-542621C2569A}" type="mathplaceholder">
+                      <a:fld id="{8FEABEFE-E034-45E2-AAF6-A92D84995326}" type="mathplaceholder">
                         <a:rPr lang="pl-PL" i="1" smtClean="0">
                           <a:latin typeface="Cambria Math" panose="02040503050406030204" pitchFamily="18" charset="0"/>
                         </a:rPr>
@@ -4954,7 +4948,7 @@
             </p:txBody>
           </p:sp>
         </mc:Choice>
-        <mc:Fallback>
+        <mc:Fallback xmlns="">
           <p:sp>
             <p:nvSpPr>
               <p:cNvPr id="5" name="Prostokąt 4"/>
@@ -4993,8 +4987,8 @@
           </p:sp>
         </mc:Fallback>
       </mc:AlternateContent>
-      <mc:AlternateContent xmlns:mc="http://schemas.openxmlformats.org/markup-compatibility/2006">
-        <mc:Choice xmlns:a14="http://schemas.microsoft.com/office/drawing/2010/main" Requires="a14">
+      <mc:AlternateContent xmlns:mc="http://schemas.openxmlformats.org/markup-compatibility/2006" xmlns:a14="http://schemas.microsoft.com/office/drawing/2010/main">
+        <mc:Choice Requires="a14">
           <p:sp>
             <p:nvSpPr>
               <p:cNvPr id="6" name="pole tekstowe 5"/>
@@ -5070,13 +5064,7 @@
                             <a:rPr lang="pl-PL" sz="2400" i="1">
                               <a:latin typeface="Cambria Math" panose="02040503050406030204" pitchFamily="18" charset="0"/>
                             </a:rPr>
-                            <m:t>+1/2</m:t>
-                          </m:r>
-                          <m:r>
-                            <a:rPr lang="pl-PL" sz="2400" i="1">
-                              <a:latin typeface="Cambria Math" panose="02040503050406030204" pitchFamily="18" charset="0"/>
-                            </a:rPr>
-                            <m:t>,</m:t>
+                            <m:t>+1/2,</m:t>
                           </m:r>
                           <m:r>
                             <a:rPr lang="pl-PL" sz="2400" i="1">
@@ -5522,13 +5510,7 @@
                                     <a:rPr lang="pl-PL" sz="2400" b="0" i="1" smtClean="0">
                                       <a:latin typeface="Cambria Math" panose="02040503050406030204" pitchFamily="18" charset="0"/>
                                     </a:rPr>
-                                    <m:t>+</m:t>
-                                  </m:r>
-                                  <m:r>
-                                    <a:rPr lang="pl-PL" sz="2400" b="0" i="1" smtClean="0">
-                                      <a:latin typeface="Cambria Math" panose="02040503050406030204" pitchFamily="18" charset="0"/>
-                                    </a:rPr>
-                                    <m:t>1/2,</m:t>
+                                    <m:t>+1/2,</m:t>
                                   </m:r>
                                   <m:r>
                                     <a:rPr lang="pl-PL" sz="2400" b="0" i="1" smtClean="0">
@@ -5694,7 +5676,7 @@
             </p:txBody>
           </p:sp>
         </mc:Choice>
-        <mc:Fallback>
+        <mc:Fallback xmlns="">
           <p:sp>
             <p:nvSpPr>
               <p:cNvPr id="6" name="pole tekstowe 5"/>
@@ -5733,8 +5715,8 @@
           </p:sp>
         </mc:Fallback>
       </mc:AlternateContent>
-      <mc:AlternateContent xmlns:mc="http://schemas.openxmlformats.org/markup-compatibility/2006">
-        <mc:Choice xmlns:a14="http://schemas.microsoft.com/office/drawing/2010/main" Requires="a14">
+      <mc:AlternateContent xmlns:mc="http://schemas.openxmlformats.org/markup-compatibility/2006" xmlns:a14="http://schemas.microsoft.com/office/drawing/2010/main">
+        <mc:Choice Requires="a14">
           <p:sp>
             <p:nvSpPr>
               <p:cNvPr id="7" name="Prostokąt 6"/>
@@ -5834,7 +5816,7 @@
             </p:txBody>
           </p:sp>
         </mc:Choice>
-        <mc:Fallback>
+        <mc:Fallback xmlns="">
           <p:sp>
             <p:nvSpPr>
               <p:cNvPr id="7" name="Prostokąt 6"/>
@@ -5873,8 +5855,8 @@
           </p:sp>
         </mc:Fallback>
       </mc:AlternateContent>
-      <mc:AlternateContent xmlns:mc="http://schemas.openxmlformats.org/markup-compatibility/2006">
-        <mc:Choice xmlns:a14="http://schemas.microsoft.com/office/drawing/2010/main" Requires="a14">
+      <mc:AlternateContent xmlns:mc="http://schemas.openxmlformats.org/markup-compatibility/2006" xmlns:a14="http://schemas.microsoft.com/office/drawing/2010/main">
+        <mc:Choice Requires="a14">
           <p:sp>
             <p:nvSpPr>
               <p:cNvPr id="11" name="Prostokąt 10"/>
@@ -5974,7 +5956,7 @@
             </p:txBody>
           </p:sp>
         </mc:Choice>
-        <mc:Fallback>
+        <mc:Fallback xmlns="">
           <p:sp>
             <p:nvSpPr>
               <p:cNvPr id="11" name="Prostokąt 10"/>
@@ -6089,8 +6071,8 @@
           </a:p>
         </p:txBody>
       </p:sp>
-      <mc:AlternateContent xmlns:mc="http://schemas.openxmlformats.org/markup-compatibility/2006">
-        <mc:Choice xmlns:a14="http://schemas.microsoft.com/office/drawing/2010/main" Requires="a14">
+      <mc:AlternateContent xmlns:mc="http://schemas.openxmlformats.org/markup-compatibility/2006" xmlns:a14="http://schemas.microsoft.com/office/drawing/2010/main">
+        <mc:Choice Requires="a14">
           <p:sp>
             <p:nvSpPr>
               <p:cNvPr id="12" name="pole tekstowe 11"/>
@@ -6378,7 +6360,7 @@
             </p:txBody>
           </p:sp>
         </mc:Choice>
-        <mc:Fallback>
+        <mc:Fallback xmlns="">
           <p:sp>
             <p:nvSpPr>
               <p:cNvPr id="12" name="pole tekstowe 11"/>
@@ -6417,8 +6399,8 @@
           </p:sp>
         </mc:Fallback>
       </mc:AlternateContent>
-      <mc:AlternateContent xmlns:mc="http://schemas.openxmlformats.org/markup-compatibility/2006">
-        <mc:Choice xmlns:a14="http://schemas.microsoft.com/office/drawing/2010/main" Requires="a14">
+      <mc:AlternateContent xmlns:mc="http://schemas.openxmlformats.org/markup-compatibility/2006" xmlns:a14="http://schemas.microsoft.com/office/drawing/2010/main">
+        <mc:Choice Requires="a14">
           <p:sp>
             <p:nvSpPr>
               <p:cNvPr id="17" name="Prostokąt 16"/>
@@ -6530,7 +6512,7 @@
             </p:txBody>
           </p:sp>
         </mc:Choice>
-        <mc:Fallback>
+        <mc:Fallback xmlns="">
           <p:sp>
             <p:nvSpPr>
               <p:cNvPr id="17" name="Prostokąt 16"/>
@@ -6825,8 +6807,8 @@
           </a:p>
         </p:txBody>
       </p:sp>
-      <mc:AlternateContent xmlns:mc="http://schemas.openxmlformats.org/markup-compatibility/2006" xmlns:a14="http://schemas.microsoft.com/office/drawing/2010/main">
-        <mc:Choice Requires="a14">
+      <mc:AlternateContent xmlns:mc="http://schemas.openxmlformats.org/markup-compatibility/2006">
+        <mc:Choice xmlns:a14="http://schemas.microsoft.com/office/drawing/2010/main" Requires="a14">
           <p:sp>
             <p:nvSpPr>
               <p:cNvPr id="3" name="Symbol zastępczy zawartości 2"/>
@@ -6844,6 +6826,31 @@
               <a:p>
                 <a14:m>
                   <m:oMath xmlns:m="http://schemas.openxmlformats.org/officeDocument/2006/math">
+                    <m:sSub>
+                      <m:sSubPr>
+                        <m:ctrlPr>
+                          <a:rPr lang="pl-PL" b="0" i="1" smtClean="0">
+                            <a:latin typeface="Cambria Math" panose="02040503050406030204" pitchFamily="18" charset="0"/>
+                          </a:rPr>
+                        </m:ctrlPr>
+                      </m:sSubPr>
+                      <m:e>
+                        <m:r>
+                          <a:rPr lang="pl-PL" b="0" i="1" smtClean="0">
+                            <a:latin typeface="Cambria Math" panose="02040503050406030204" pitchFamily="18" charset="0"/>
+                          </a:rPr>
+                          <m:t>𝜀</m:t>
+                        </m:r>
+                      </m:e>
+                      <m:sub>
+                        <m:r>
+                          <a:rPr lang="pl-PL" b="0" i="1" smtClean="0">
+                            <a:latin typeface="Cambria Math" panose="02040503050406030204" pitchFamily="18" charset="0"/>
+                          </a:rPr>
+                          <m:t>0</m:t>
+                        </m:r>
+                      </m:sub>
+                    </m:sSub>
                     <m:f>
                       <m:fPr>
                         <m:ctrlPr>
@@ -6863,7 +6870,7 @@
                           <a:rPr lang="pl-PL" b="1" i="1" smtClean="0">
                             <a:latin typeface="Cambria Math" panose="02040503050406030204" pitchFamily="18" charset="0"/>
                           </a:rPr>
-                          <m:t>𝑫</m:t>
+                          <m:t>𝑬</m:t>
                         </m:r>
                       </m:num>
                       <m:den>
@@ -6987,6 +6994,31 @@
               <a:p>
                 <a14:m>
                   <m:oMath xmlns:m="http://schemas.openxmlformats.org/officeDocument/2006/math">
+                    <m:sSub>
+                      <m:sSubPr>
+                        <m:ctrlPr>
+                          <a:rPr lang="pl-PL" b="0" i="1" smtClean="0">
+                            <a:latin typeface="Cambria Math" panose="02040503050406030204" pitchFamily="18" charset="0"/>
+                          </a:rPr>
+                        </m:ctrlPr>
+                      </m:sSubPr>
+                      <m:e>
+                        <m:r>
+                          <a:rPr lang="pl-PL" b="0" i="1" smtClean="0">
+                            <a:latin typeface="Cambria Math" panose="02040503050406030204" pitchFamily="18" charset="0"/>
+                          </a:rPr>
+                          <m:t>𝜇</m:t>
+                        </m:r>
+                      </m:e>
+                      <m:sub>
+                        <m:r>
+                          <a:rPr lang="pl-PL" b="0" i="1" smtClean="0">
+                            <a:latin typeface="Cambria Math" panose="02040503050406030204" pitchFamily="18" charset="0"/>
+                          </a:rPr>
+                          <m:t>0</m:t>
+                        </m:r>
+                      </m:sub>
+                    </m:sSub>
                     <m:f>
                       <m:fPr>
                         <m:ctrlPr>
@@ -7006,7 +7038,7 @@
                           <a:rPr lang="pl-PL" b="1" i="1" smtClean="0">
                             <a:latin typeface="Cambria Math" panose="02040503050406030204" pitchFamily="18" charset="0"/>
                           </a:rPr>
-                          <m:t>𝑩</m:t>
+                          <m:t>𝑯</m:t>
                         </m:r>
                       </m:num>
                       <m:den>
@@ -7061,6 +7093,31 @@
               <a:p>
                 <a14:m>
                   <m:oMath xmlns:m="http://schemas.openxmlformats.org/officeDocument/2006/math">
+                    <m:sSub>
+                      <m:sSubPr>
+                        <m:ctrlPr>
+                          <a:rPr lang="pl-PL" b="0" i="1" smtClean="0">
+                            <a:latin typeface="Cambria Math" panose="02040503050406030204" pitchFamily="18" charset="0"/>
+                          </a:rPr>
+                        </m:ctrlPr>
+                      </m:sSubPr>
+                      <m:e>
+                        <m:r>
+                          <a:rPr lang="pl-PL" b="0" i="1" smtClean="0">
+                            <a:latin typeface="Cambria Math" panose="02040503050406030204" pitchFamily="18" charset="0"/>
+                          </a:rPr>
+                          <m:t>𝜀</m:t>
+                        </m:r>
+                      </m:e>
+                      <m:sub>
+                        <m:r>
+                          <a:rPr lang="pl-PL" b="0" i="1" smtClean="0">
+                            <a:latin typeface="Cambria Math" panose="02040503050406030204" pitchFamily="18" charset="0"/>
+                          </a:rPr>
+                          <m:t>0</m:t>
+                        </m:r>
+                      </m:sub>
+                    </m:sSub>
                     <m:f>
                       <m:fPr>
                         <m:ctrlPr>
@@ -7112,10 +7169,10 @@
                       <m:sup/>
                       <m:e>
                         <m:r>
-                          <a:rPr lang="pl-PL" b="1" i="1">
+                          <a:rPr lang="pl-PL" b="1" i="1" smtClean="0">
                             <a:latin typeface="Cambria Math" panose="02040503050406030204" pitchFamily="18" charset="0"/>
                           </a:rPr>
-                          <m:t>𝑫</m:t>
+                          <m:t>𝑬</m:t>
                         </m:r>
                         <m:r>
                           <a:rPr lang="pl-PL" b="1" i="1">
@@ -7258,6 +7315,31 @@
               <a:p>
                 <a14:m>
                   <m:oMath xmlns:m="http://schemas.openxmlformats.org/officeDocument/2006/math">
+                    <m:sSub>
+                      <m:sSubPr>
+                        <m:ctrlPr>
+                          <a:rPr lang="pl-PL" sz="2400" b="0" i="1" smtClean="0">
+                            <a:latin typeface="Cambria Math" panose="02040503050406030204" pitchFamily="18" charset="0"/>
+                          </a:rPr>
+                        </m:ctrlPr>
+                      </m:sSubPr>
+                      <m:e>
+                        <m:r>
+                          <a:rPr lang="pl-PL" sz="2400" b="0" i="1" smtClean="0">
+                            <a:latin typeface="Cambria Math" panose="02040503050406030204" pitchFamily="18" charset="0"/>
+                          </a:rPr>
+                          <m:t>𝜇</m:t>
+                        </m:r>
+                      </m:e>
+                      <m:sub>
+                        <m:r>
+                          <a:rPr lang="pl-PL" sz="2400" b="0" i="1" smtClean="0">
+                            <a:latin typeface="Cambria Math" panose="02040503050406030204" pitchFamily="18" charset="0"/>
+                          </a:rPr>
+                          <m:t>0</m:t>
+                        </m:r>
+                      </m:sub>
+                    </m:sSub>
                     <m:f>
                       <m:fPr>
                         <m:ctrlPr>
@@ -7309,10 +7391,10 @@
                       <m:sup/>
                       <m:e>
                         <m:r>
-                          <a:rPr lang="pl-PL" sz="2400" b="1" i="1">
+                          <a:rPr lang="pl-PL" sz="2400" b="1" i="1" smtClean="0">
                             <a:latin typeface="Cambria Math" panose="02040503050406030204" pitchFamily="18" charset="0"/>
                           </a:rPr>
-                          <m:t>𝑩</m:t>
+                          <m:t>𝑯</m:t>
                         </m:r>
                         <m:r>
                           <a:rPr lang="pl-PL" sz="2400" b="1" i="1">
@@ -7392,7 +7474,7 @@
             </p:txBody>
           </p:sp>
         </mc:Choice>
-        <mc:Fallback xmlns="">
+        <mc:Fallback>
           <p:sp>
             <p:nvSpPr>
               <p:cNvPr id="3" name="Symbol zastępczy zawartości 2"/>
@@ -7716,8 +7798,8 @@
           </a:xfrm>
         </p:spPr>
       </p:pic>
-      <mc:AlternateContent xmlns:mc="http://schemas.openxmlformats.org/markup-compatibility/2006" xmlns:a14="http://schemas.microsoft.com/office/drawing/2010/main">
-        <mc:Choice Requires="a14">
+      <mc:AlternateContent xmlns:mc="http://schemas.openxmlformats.org/markup-compatibility/2006">
+        <mc:Choice xmlns:a14="http://schemas.microsoft.com/office/drawing/2010/main" Requires="a14">
           <p:sp>
             <p:nvSpPr>
               <p:cNvPr id="5" name="Prostokąt 4"/>
@@ -7726,8 +7808,8 @@
             </p:nvSpPr>
             <p:spPr>
               <a:xfrm>
-                <a:off x="-271183" y="4303059"/>
-                <a:ext cx="13261042" cy="1519121"/>
+                <a:off x="2702859" y="4356367"/>
+                <a:ext cx="7153835" cy="1465813"/>
               </a:xfrm>
               <a:prstGeom prst="rect">
                 <a:avLst/>
@@ -7763,7 +7845,7 @@
                       <m:jc m:val="centerGroup"/>
                     </m:oMathParaPr>
                     <m:oMath xmlns:m="http://schemas.openxmlformats.org/officeDocument/2006/math">
-                      <a:fld id="{36B04AA6-1A10-4254-BBD2-79F2036654F3}" type="mathplaceholder">
+                      <a:fld id="{B54D7D38-DAE9-4F93-8CB5-190AFEF23C58}" type="mathplaceholder">
                         <a:rPr lang="pl-PL" i="1" smtClean="0">
                           <a:latin typeface="Cambria Math" panose="02040503050406030204" pitchFamily="18" charset="0"/>
                         </a:rPr>
@@ -7777,7 +7859,7 @@
             </p:txBody>
           </p:sp>
         </mc:Choice>
-        <mc:Fallback xmlns="">
+        <mc:Fallback>
           <p:sp>
             <p:nvSpPr>
               <p:cNvPr id="5" name="Prostokąt 4"/>
@@ -7788,8 +7870,8 @@
             </p:nvSpPr>
             <p:spPr>
               <a:xfrm>
-                <a:off x="-271183" y="4303059"/>
-                <a:ext cx="13261042" cy="1519121"/>
+                <a:off x="2702859" y="4356367"/>
+                <a:ext cx="7153835" cy="1465813"/>
               </a:xfrm>
               <a:prstGeom prst="rect">
                 <a:avLst/>
@@ -9026,6 +9108,331 @@
           </a:p>
         </p:txBody>
       </p:sp>
+      <mc:AlternateContent xmlns:mc="http://schemas.openxmlformats.org/markup-compatibility/2006">
+        <mc:Choice xmlns:a14="http://schemas.microsoft.com/office/drawing/2010/main" Requires="a14">
+          <p:sp>
+            <p:nvSpPr>
+              <p:cNvPr id="17" name="Prostokąt 16"/>
+              <p:cNvSpPr/>
+              <p:nvPr/>
+            </p:nvSpPr>
+            <p:spPr>
+              <a:xfrm>
+                <a:off x="44429" y="3005469"/>
+                <a:ext cx="3384571" cy="1415532"/>
+              </a:xfrm>
+              <a:prstGeom prst="rect">
+                <a:avLst/>
+              </a:prstGeom>
+              <a:solidFill>
+                <a:schemeClr val="bg1"/>
+              </a:solidFill>
+            </p:spPr>
+            <p:style>
+              <a:lnRef idx="2">
+                <a:schemeClr val="accent1">
+                  <a:shade val="50000"/>
+                </a:schemeClr>
+              </a:lnRef>
+              <a:fillRef idx="1">
+                <a:schemeClr val="accent1"/>
+              </a:fillRef>
+              <a:effectRef idx="0">
+                <a:schemeClr val="accent1"/>
+              </a:effectRef>
+              <a:fontRef idx="minor">
+                <a:schemeClr val="lt1"/>
+              </a:fontRef>
+            </p:style>
+            <p:txBody>
+              <a:bodyPr rtlCol="0" anchor="ctr"/>
+              <a:lstStyle/>
+              <a:p>
+                <a:pPr algn="ctr"/>
+                <a14:m>
+                  <m:oMathPara xmlns:m="http://schemas.openxmlformats.org/officeDocument/2006/math">
+                    <m:oMathParaPr>
+                      <m:jc m:val="centerGroup"/>
+                    </m:oMathParaPr>
+                    <m:oMath xmlns:m="http://schemas.openxmlformats.org/officeDocument/2006/math">
+                      <a:fld id="{D13087B4-AA77-447F-8A4B-E2BFCB6191C5}" type="mathplaceholder">
+                        <a:rPr lang="pl-PL" i="1" smtClean="0">
+                          <a:latin typeface="Cambria Math" panose="02040503050406030204" pitchFamily="18" charset="0"/>
+                        </a:rPr>
+                        <a:t>Wpisz tutaj równanie.</a:t>
+                      </a:fld>
+                    </m:oMath>
+                  </m:oMathPara>
+                </a14:m>
+                <a:endParaRPr lang="pl-PL" dirty="0"/>
+              </a:p>
+            </p:txBody>
+          </p:sp>
+        </mc:Choice>
+        <mc:Fallback>
+          <p:sp>
+            <p:nvSpPr>
+              <p:cNvPr id="17" name="Prostokąt 16"/>
+              <p:cNvSpPr>
+                <a:spLocks noRot="1" noChangeAspect="1" noMove="1" noResize="1" noEditPoints="1" noAdjustHandles="1" noChangeArrowheads="1" noChangeShapeType="1" noTextEdit="1"/>
+              </p:cNvSpPr>
+              <p:nvPr/>
+            </p:nvSpPr>
+            <p:spPr>
+              <a:xfrm>
+                <a:off x="44429" y="3005469"/>
+                <a:ext cx="3384571" cy="1415532"/>
+              </a:xfrm>
+              <a:prstGeom prst="rect">
+                <a:avLst/>
+              </a:prstGeom>
+              <a:blipFill>
+                <a:blip r:embed="rId10"/>
+                <a:stretch>
+                  <a:fillRect/>
+                </a:stretch>
+              </a:blipFill>
+            </p:spPr>
+            <p:txBody>
+              <a:bodyPr/>
+              <a:lstStyle/>
+              <a:p>
+                <a:r>
+                  <a:rPr lang="pl-PL">
+                    <a:noFill/>
+                  </a:rPr>
+                  <a:t> </a:t>
+                </a:r>
+              </a:p>
+            </p:txBody>
+          </p:sp>
+        </mc:Fallback>
+      </mc:AlternateContent>
+      <mc:AlternateContent xmlns:mc="http://schemas.openxmlformats.org/markup-compatibility/2006">
+        <mc:Choice xmlns:a14="http://schemas.microsoft.com/office/drawing/2010/main" Requires="a14">
+          <p:sp>
+            <p:nvSpPr>
+              <p:cNvPr id="12" name="Prostokąt 11"/>
+              <p:cNvSpPr/>
+              <p:nvPr/>
+            </p:nvSpPr>
+            <p:spPr>
+              <a:xfrm>
+                <a:off x="423779" y="3273084"/>
+                <a:ext cx="2862130" cy="683072"/>
+              </a:xfrm>
+              <a:prstGeom prst="rect">
+                <a:avLst/>
+              </a:prstGeom>
+            </p:spPr>
+            <p:txBody>
+              <a:bodyPr wrap="none">
+                <a:spAutoFit/>
+              </a:bodyPr>
+              <a:lstStyle/>
+              <a:p>
+                <a14:m>
+                  <m:oMathPara xmlns:m="http://schemas.openxmlformats.org/officeDocument/2006/math">
+                    <m:oMathParaPr>
+                      <m:jc m:val="centerGroup"/>
+                    </m:oMathParaPr>
+                    <m:oMath xmlns:m="http://schemas.openxmlformats.org/officeDocument/2006/math">
+                      <m:sSub>
+                        <m:sSubPr>
+                          <m:ctrlPr>
+                            <a:rPr lang="pl-PL" i="1">
+                              <a:latin typeface="Cambria Math" panose="02040503050406030204" pitchFamily="18" charset="0"/>
+                            </a:rPr>
+                          </m:ctrlPr>
+                        </m:sSubPr>
+                        <m:e>
+                          <m:r>
+                            <a:rPr lang="pl-PL" i="1">
+                              <a:latin typeface="Cambria Math" panose="02040503050406030204" pitchFamily="18" charset="0"/>
+                            </a:rPr>
+                            <m:t>𝜇</m:t>
+                          </m:r>
+                        </m:e>
+                        <m:sub>
+                          <m:r>
+                            <a:rPr lang="pl-PL" i="1">
+                              <a:latin typeface="Cambria Math" panose="02040503050406030204" pitchFamily="18" charset="0"/>
+                            </a:rPr>
+                            <m:t>0</m:t>
+                          </m:r>
+                        </m:sub>
+                      </m:sSub>
+                      <m:f>
+                        <m:fPr>
+                          <m:ctrlPr>
+                            <a:rPr lang="pl-PL" i="1">
+                              <a:latin typeface="Cambria Math" panose="02040503050406030204" pitchFamily="18" charset="0"/>
+                            </a:rPr>
+                          </m:ctrlPr>
+                        </m:fPr>
+                        <m:num>
+                          <m:r>
+                            <a:rPr lang="pl-PL" i="1">
+                              <a:latin typeface="Cambria Math" panose="02040503050406030204" pitchFamily="18" charset="0"/>
+                            </a:rPr>
+                            <m:t>𝜕</m:t>
+                          </m:r>
+                        </m:num>
+                        <m:den>
+                          <m:r>
+                            <a:rPr lang="pl-PL" i="1">
+                              <a:latin typeface="Cambria Math" panose="02040503050406030204" pitchFamily="18" charset="0"/>
+                            </a:rPr>
+                            <m:t>𝜕</m:t>
+                          </m:r>
+                          <m:r>
+                            <a:rPr lang="pl-PL" i="1">
+                              <a:latin typeface="Cambria Math" panose="02040503050406030204" pitchFamily="18" charset="0"/>
+                            </a:rPr>
+                            <m:t>𝑡</m:t>
+                          </m:r>
+                        </m:den>
+                      </m:f>
+                      <m:nary>
+                        <m:naryPr>
+                          <m:supHide m:val="on"/>
+                          <m:ctrlPr>
+                            <a:rPr lang="pl-PL" i="1">
+                              <a:latin typeface="Cambria Math" panose="02040503050406030204" pitchFamily="18" charset="0"/>
+                            </a:rPr>
+                          </m:ctrlPr>
+                        </m:naryPr>
+                        <m:sub>
+                          <m:r>
+                            <a:rPr lang="pl-PL" i="1">
+                              <a:latin typeface="Cambria Math" panose="02040503050406030204" pitchFamily="18" charset="0"/>
+                            </a:rPr>
+                            <m:t>𝑆</m:t>
+                          </m:r>
+                        </m:sub>
+                        <m:sup/>
+                        <m:e>
+                          <m:r>
+                            <a:rPr lang="pl-PL" b="1" i="1">
+                              <a:latin typeface="Cambria Math" panose="02040503050406030204" pitchFamily="18" charset="0"/>
+                            </a:rPr>
+                            <m:t>𝑯</m:t>
+                          </m:r>
+                          <m:r>
+                            <a:rPr lang="pl-PL" b="1" i="1">
+                              <a:latin typeface="Cambria Math" panose="02040503050406030204" pitchFamily="18" charset="0"/>
+                            </a:rPr>
+                            <m:t>⋅</m:t>
+                          </m:r>
+                          <m:r>
+                            <a:rPr lang="pl-PL" b="1" i="1">
+                              <a:latin typeface="Cambria Math" panose="02040503050406030204" pitchFamily="18" charset="0"/>
+                            </a:rPr>
+                            <m:t>𝒅𝒔</m:t>
+                          </m:r>
+                        </m:e>
+                      </m:nary>
+                      <m:r>
+                        <a:rPr lang="pl-PL" i="1">
+                          <a:latin typeface="Cambria Math" panose="02040503050406030204" pitchFamily="18" charset="0"/>
+                        </a:rPr>
+                        <m:t>=</m:t>
+                      </m:r>
+                      <m:r>
+                        <a:rPr lang="pl-PL" b="1" i="1">
+                          <a:latin typeface="Cambria Math" panose="02040503050406030204" pitchFamily="18" charset="0"/>
+                        </a:rPr>
+                        <m:t>−</m:t>
+                      </m:r>
+                      <m:nary>
+                        <m:naryPr>
+                          <m:supHide m:val="on"/>
+                          <m:ctrlPr>
+                            <a:rPr lang="pl-PL" b="1" i="1">
+                              <a:latin typeface="Cambria Math" panose="02040503050406030204" pitchFamily="18" charset="0"/>
+                            </a:rPr>
+                          </m:ctrlPr>
+                        </m:naryPr>
+                        <m:sub>
+                          <m:r>
+                            <m:rPr>
+                              <m:brk m:alnAt="7"/>
+                            </m:rPr>
+                            <a:rPr lang="pl-PL" i="1">
+                              <a:latin typeface="Cambria Math" panose="02040503050406030204" pitchFamily="18" charset="0"/>
+                            </a:rPr>
+                            <m:t>𝐶</m:t>
+                          </m:r>
+                        </m:sub>
+                        <m:sup/>
+                        <m:e>
+                          <m:r>
+                            <a:rPr lang="pl-PL" b="1" i="1">
+                              <a:latin typeface="Cambria Math" panose="02040503050406030204" pitchFamily="18" charset="0"/>
+                            </a:rPr>
+                            <m:t>𝑬</m:t>
+                          </m:r>
+                          <m:r>
+                            <a:rPr lang="pl-PL" b="1" i="1">
+                              <a:latin typeface="Cambria Math" panose="02040503050406030204" pitchFamily="18" charset="0"/>
+                            </a:rPr>
+                            <m:t>⋅</m:t>
+                          </m:r>
+                          <m:r>
+                            <a:rPr lang="pl-PL" b="1" i="1">
+                              <a:latin typeface="Cambria Math" panose="02040503050406030204" pitchFamily="18" charset="0"/>
+                            </a:rPr>
+                            <m:t>𝒅𝒍</m:t>
+                          </m:r>
+                        </m:e>
+                      </m:nary>
+                    </m:oMath>
+                  </m:oMathPara>
+                </a14:m>
+                <a:endParaRPr lang="pl-PL" b="1" dirty="0"/>
+              </a:p>
+            </p:txBody>
+          </p:sp>
+        </mc:Choice>
+        <mc:Fallback>
+          <p:sp>
+            <p:nvSpPr>
+              <p:cNvPr id="12" name="Prostokąt 11"/>
+              <p:cNvSpPr>
+                <a:spLocks noRot="1" noChangeAspect="1" noMove="1" noResize="1" noEditPoints="1" noAdjustHandles="1" noChangeArrowheads="1" noChangeShapeType="1" noTextEdit="1"/>
+              </p:cNvSpPr>
+              <p:nvPr/>
+            </p:nvSpPr>
+            <p:spPr>
+              <a:xfrm>
+                <a:off x="423779" y="3273084"/>
+                <a:ext cx="2862130" cy="683072"/>
+              </a:xfrm>
+              <a:prstGeom prst="rect">
+                <a:avLst/>
+              </a:prstGeom>
+              <a:blipFill>
+                <a:blip r:embed="rId11"/>
+                <a:stretch>
+                  <a:fillRect/>
+                </a:stretch>
+              </a:blipFill>
+            </p:spPr>
+            <p:txBody>
+              <a:bodyPr/>
+              <a:lstStyle/>
+              <a:p>
+                <a:r>
+                  <a:rPr lang="pl-PL">
+                    <a:noFill/>
+                  </a:rPr>
+                  <a:t> </a:t>
+                </a:r>
+              </a:p>
+            </p:txBody>
+          </p:sp>
+        </mc:Fallback>
+      </mc:AlternateContent>
     </p:spTree>
     <p:extLst>
       <p:ext uri="{BB962C8B-B14F-4D97-AF65-F5344CB8AC3E}">
@@ -9158,7 +9565,7 @@
                       <m:jc m:val="centerGroup"/>
                     </m:oMathParaPr>
                     <m:oMath xmlns:m="http://schemas.openxmlformats.org/officeDocument/2006/math">
-                      <a:fld id="{2C2B1A3D-F82F-43DA-8A7D-60433625F557}" type="mathplaceholder">
+                      <a:fld id="{12B8AACF-C163-45AE-94E4-220240202C2A}" type="mathplaceholder">
                         <a:rPr lang="pl-PL" i="1" smtClean="0">
                           <a:latin typeface="Cambria Math" panose="02040503050406030204" pitchFamily="18" charset="0"/>
                         </a:rPr>
@@ -10844,7 +11251,7 @@
                       <m:jc m:val="centerGroup"/>
                     </m:oMathParaPr>
                     <m:oMath xmlns:m="http://schemas.openxmlformats.org/officeDocument/2006/math">
-                      <a:fld id="{FF210B9C-49DF-42CC-93C5-16282EEBCF98}" type="mathplaceholder">
+                      <a:fld id="{16086103-F15B-4531-85C2-2D5C05B5BC1E}" type="mathplaceholder">
                         <a:rPr lang="pl-PL" i="1" smtClean="0">
                           <a:latin typeface="Cambria Math" panose="02040503050406030204" pitchFamily="18" charset="0"/>
                         </a:rPr>
@@ -12530,7 +12937,7 @@
                       <m:jc m:val="centerGroup"/>
                     </m:oMathParaPr>
                     <m:oMath xmlns:m="http://schemas.openxmlformats.org/officeDocument/2006/math">
-                      <a:fld id="{85C4E583-1562-475A-88D2-A3A94EB70317}" type="mathplaceholder">
+                      <a:fld id="{D14D5423-A2E9-42F1-81F9-C07240788DA2}" type="mathplaceholder">
                         <a:rPr lang="pl-PL" i="1" smtClean="0">
                           <a:latin typeface="Cambria Math" panose="02040503050406030204" pitchFamily="18" charset="0"/>
                         </a:rPr>
@@ -14316,7 +14723,7 @@
                       <m:jc m:val="centerGroup"/>
                     </m:oMathParaPr>
                     <m:oMath xmlns:m="http://schemas.openxmlformats.org/officeDocument/2006/math">
-                      <a:fld id="{D1CCCB34-48C5-4F92-AD8B-6A02D297C673}" type="mathplaceholder">
+                      <a:fld id="{2F144B56-3764-4A4E-BE3C-7B0443D6CAC6}" type="mathplaceholder">
                         <a:rPr lang="pl-PL" i="1" smtClean="0">
                           <a:latin typeface="Cambria Math" panose="02040503050406030204" pitchFamily="18" charset="0"/>
                         </a:rPr>
@@ -24449,7 +24856,7 @@
                       <m:jc m:val="centerGroup"/>
                     </m:oMathParaPr>
                     <m:oMath xmlns:m="http://schemas.openxmlformats.org/officeDocument/2006/math">
-                      <a:fld id="{212022AA-EEFF-49F6-9EA6-B90695E99E62}" type="mathplaceholder">
+                      <a:fld id="{AC3C96C1-7C2B-4ED7-9CFB-FA7AA9D4D7FF}" type="mathplaceholder">
                         <a:rPr lang="pl-PL" i="1" smtClean="0">
                           <a:latin typeface="Cambria Math" panose="02040503050406030204" pitchFamily="18" charset="0"/>
                         </a:rPr>
@@ -26502,7 +26909,7 @@
                       <m:jc m:val="centerGroup"/>
                     </m:oMathParaPr>
                     <m:oMath xmlns:m="http://schemas.openxmlformats.org/officeDocument/2006/math">
-                      <a:fld id="{FEE6E524-4D69-4155-B965-BAF1F1CE9059}" type="mathplaceholder">
+                      <a:fld id="{6CD82C94-FADE-40DE-9C06-7D49BBEFE792}" type="mathplaceholder">
                         <a:rPr lang="pl-PL" i="1" smtClean="0">
                           <a:latin typeface="Cambria Math" panose="02040503050406030204" pitchFamily="18" charset="0"/>
                         </a:rPr>
@@ -28483,8 +28890,8 @@
           </a:xfrm>
         </p:spPr>
       </p:pic>
-      <mc:AlternateContent xmlns:mc="http://schemas.openxmlformats.org/markup-compatibility/2006">
-        <mc:Choice xmlns:a14="http://schemas.microsoft.com/office/drawing/2010/main" Requires="a14">
+      <mc:AlternateContent xmlns:mc="http://schemas.openxmlformats.org/markup-compatibility/2006" xmlns:a14="http://schemas.microsoft.com/office/drawing/2010/main">
+        <mc:Choice Requires="a14">
           <p:sp>
             <p:nvSpPr>
               <p:cNvPr id="5" name="Prostokąt 4"/>
@@ -28530,7 +28937,7 @@
                       <m:jc m:val="centerGroup"/>
                     </m:oMathParaPr>
                     <m:oMath xmlns:m="http://schemas.openxmlformats.org/officeDocument/2006/math">
-                      <a:fld id="{BBED724D-7351-4E7D-8BE9-67DA517D2910}" type="mathplaceholder">
+                      <a:fld id="{B6148CB7-7E5E-49E7-B372-0D07591141C2}" type="mathplaceholder">
                         <a:rPr lang="pl-PL" i="1" smtClean="0">
                           <a:latin typeface="Cambria Math" panose="02040503050406030204" pitchFamily="18" charset="0"/>
                         </a:rPr>
@@ -28544,7 +28951,7 @@
             </p:txBody>
           </p:sp>
         </mc:Choice>
-        <mc:Fallback>
+        <mc:Fallback xmlns="">
           <p:sp>
             <p:nvSpPr>
               <p:cNvPr id="5" name="Prostokąt 4"/>
@@ -28583,8 +28990,8 @@
           </p:sp>
         </mc:Fallback>
       </mc:AlternateContent>
-      <mc:AlternateContent xmlns:mc="http://schemas.openxmlformats.org/markup-compatibility/2006">
-        <mc:Choice xmlns:a14="http://schemas.microsoft.com/office/drawing/2010/main" Requires="a14">
+      <mc:AlternateContent xmlns:mc="http://schemas.openxmlformats.org/markup-compatibility/2006" xmlns:a14="http://schemas.microsoft.com/office/drawing/2010/main">
+        <mc:Choice Requires="a14">
           <p:sp>
             <p:nvSpPr>
               <p:cNvPr id="6" name="pole tekstowe 5"/>
@@ -28910,13 +29317,7 @@
                                     <a:rPr lang="pl-PL" sz="2400" b="0" i="1" smtClean="0">
                                       <a:latin typeface="Cambria Math" panose="02040503050406030204" pitchFamily="18" charset="0"/>
                                     </a:rPr>
-                                    <m:t>+</m:t>
-                                  </m:r>
-                                  <m:r>
-                                    <a:rPr lang="pl-PL" sz="2400" b="0" i="1" smtClean="0">
-                                      <a:latin typeface="Cambria Math" panose="02040503050406030204" pitchFamily="18" charset="0"/>
-                                    </a:rPr>
-                                    <m:t>1/2,</m:t>
+                                    <m:t>+1/2,</m:t>
                                   </m:r>
                                   <m:r>
                                     <a:rPr lang="pl-PL" sz="2400" b="0" i="1" smtClean="0">
@@ -29201,7 +29602,7 @@
             </p:txBody>
           </p:sp>
         </mc:Choice>
-        <mc:Fallback>
+        <mc:Fallback xmlns="">
           <p:sp>
             <p:nvSpPr>
               <p:cNvPr id="6" name="pole tekstowe 5"/>
@@ -29380,8 +29781,8 @@
           </p:sp>
         </mc:Fallback>
       </mc:AlternateContent>
-      <mc:AlternateContent xmlns:mc="http://schemas.openxmlformats.org/markup-compatibility/2006">
-        <mc:Choice xmlns:a14="http://schemas.microsoft.com/office/drawing/2010/main" Requires="a14">
+      <mc:AlternateContent xmlns:mc="http://schemas.openxmlformats.org/markup-compatibility/2006" xmlns:a14="http://schemas.microsoft.com/office/drawing/2010/main">
+        <mc:Choice Requires="a14">
           <p:sp>
             <p:nvSpPr>
               <p:cNvPr id="11" name="Prostokąt 10"/>
@@ -29481,7 +29882,7 @@
             </p:txBody>
           </p:sp>
         </mc:Choice>
-        <mc:Fallback>
+        <mc:Fallback xmlns="">
           <p:sp>
             <p:nvSpPr>
               <p:cNvPr id="11" name="Prostokąt 10"/>
@@ -29596,8 +29997,8 @@
           </a:p>
         </p:txBody>
       </p:sp>
-      <mc:AlternateContent xmlns:mc="http://schemas.openxmlformats.org/markup-compatibility/2006">
-        <mc:Choice xmlns:a14="http://schemas.microsoft.com/office/drawing/2010/main" Requires="a14">
+      <mc:AlternateContent xmlns:mc="http://schemas.openxmlformats.org/markup-compatibility/2006" xmlns:a14="http://schemas.microsoft.com/office/drawing/2010/main">
+        <mc:Choice Requires="a14">
           <p:sp>
             <p:nvSpPr>
               <p:cNvPr id="12" name="pole tekstowe 11"/>
@@ -29885,7 +30286,7 @@
             </p:txBody>
           </p:sp>
         </mc:Choice>
-        <mc:Fallback>
+        <mc:Fallback xmlns="">
           <p:sp>
             <p:nvSpPr>
               <p:cNvPr id="12" name="pole tekstowe 11"/>
@@ -29924,8 +30325,8 @@
           </p:sp>
         </mc:Fallback>
       </mc:AlternateContent>
-      <mc:AlternateContent xmlns:mc="http://schemas.openxmlformats.org/markup-compatibility/2006">
-        <mc:Choice xmlns:a14="http://schemas.microsoft.com/office/drawing/2010/main" Requires="a14">
+      <mc:AlternateContent xmlns:mc="http://schemas.openxmlformats.org/markup-compatibility/2006" xmlns:a14="http://schemas.microsoft.com/office/drawing/2010/main">
+        <mc:Choice Requires="a14">
           <p:sp>
             <p:nvSpPr>
               <p:cNvPr id="17" name="Prostokąt 16"/>
@@ -30031,7 +30432,7 @@
             </p:txBody>
           </p:sp>
         </mc:Choice>
-        <mc:Fallback>
+        <mc:Fallback xmlns="">
           <p:sp>
             <p:nvSpPr>
               <p:cNvPr id="17" name="Prostokąt 16"/>
@@ -30188,8 +30589,8 @@
           </a:xfrm>
         </p:spPr>
       </p:pic>
-      <mc:AlternateContent xmlns:mc="http://schemas.openxmlformats.org/markup-compatibility/2006">
-        <mc:Choice xmlns:a14="http://schemas.microsoft.com/office/drawing/2010/main" Requires="a14">
+      <mc:AlternateContent xmlns:mc="http://schemas.openxmlformats.org/markup-compatibility/2006" xmlns:a14="http://schemas.microsoft.com/office/drawing/2010/main">
+        <mc:Choice Requires="a14">
           <p:sp>
             <p:nvSpPr>
               <p:cNvPr id="5" name="Prostokąt 4"/>
@@ -30235,7 +30636,7 @@
                       <m:jc m:val="centerGroup"/>
                     </m:oMathParaPr>
                     <m:oMath xmlns:m="http://schemas.openxmlformats.org/officeDocument/2006/math">
-                      <a:fld id="{75A4F39F-EF01-404C-92CB-01AC8060D192}" type="mathplaceholder">
+                      <a:fld id="{08C35988-4875-4898-8D3E-F5EC52516CE7}" type="mathplaceholder">
                         <a:rPr lang="pl-PL" i="1" smtClean="0">
                           <a:latin typeface="Cambria Math" panose="02040503050406030204" pitchFamily="18" charset="0"/>
                         </a:rPr>
@@ -30249,7 +30650,7 @@
             </p:txBody>
           </p:sp>
         </mc:Choice>
-        <mc:Fallback>
+        <mc:Fallback xmlns="">
           <p:sp>
             <p:nvSpPr>
               <p:cNvPr id="5" name="Prostokąt 4"/>
@@ -30288,8 +30689,8 @@
           </p:sp>
         </mc:Fallback>
       </mc:AlternateContent>
-      <mc:AlternateContent xmlns:mc="http://schemas.openxmlformats.org/markup-compatibility/2006">
-        <mc:Choice xmlns:a14="http://schemas.microsoft.com/office/drawing/2010/main" Requires="a14">
+      <mc:AlternateContent xmlns:mc="http://schemas.openxmlformats.org/markup-compatibility/2006" xmlns:a14="http://schemas.microsoft.com/office/drawing/2010/main">
+        <mc:Choice Requires="a14">
           <p:sp>
             <p:nvSpPr>
               <p:cNvPr id="6" name="pole tekstowe 5"/>
@@ -30615,13 +31016,7 @@
                                     <a:rPr lang="pl-PL" sz="2400" b="0" i="1" smtClean="0">
                                       <a:latin typeface="Cambria Math" panose="02040503050406030204" pitchFamily="18" charset="0"/>
                                     </a:rPr>
-                                    <m:t>+</m:t>
-                                  </m:r>
-                                  <m:r>
-                                    <a:rPr lang="pl-PL" sz="2400" b="0" i="1" smtClean="0">
-                                      <a:latin typeface="Cambria Math" panose="02040503050406030204" pitchFamily="18" charset="0"/>
-                                    </a:rPr>
-                                    <m:t>1/2,</m:t>
+                                    <m:t>+1/2,</m:t>
                                   </m:r>
                                   <m:r>
                                     <a:rPr lang="pl-PL" sz="2400" b="0" i="1" smtClean="0">
@@ -31013,7 +31408,7 @@
             </p:txBody>
           </p:sp>
         </mc:Choice>
-        <mc:Fallback>
+        <mc:Fallback xmlns="">
           <p:sp>
             <p:nvSpPr>
               <p:cNvPr id="6" name="pole tekstowe 5"/>
@@ -31192,8 +31587,8 @@
           </p:sp>
         </mc:Fallback>
       </mc:AlternateContent>
-      <mc:AlternateContent xmlns:mc="http://schemas.openxmlformats.org/markup-compatibility/2006">
-        <mc:Choice xmlns:a14="http://schemas.microsoft.com/office/drawing/2010/main" Requires="a14">
+      <mc:AlternateContent xmlns:mc="http://schemas.openxmlformats.org/markup-compatibility/2006" xmlns:a14="http://schemas.microsoft.com/office/drawing/2010/main">
+        <mc:Choice Requires="a14">
           <p:sp>
             <p:nvSpPr>
               <p:cNvPr id="11" name="Prostokąt 10"/>
@@ -31293,7 +31688,7 @@
             </p:txBody>
           </p:sp>
         </mc:Choice>
-        <mc:Fallback>
+        <mc:Fallback xmlns="">
           <p:sp>
             <p:nvSpPr>
               <p:cNvPr id="11" name="Prostokąt 10"/>
@@ -31408,8 +31803,8 @@
           </a:p>
         </p:txBody>
       </p:sp>
-      <mc:AlternateContent xmlns:mc="http://schemas.openxmlformats.org/markup-compatibility/2006">
-        <mc:Choice xmlns:a14="http://schemas.microsoft.com/office/drawing/2010/main" Requires="a14">
+      <mc:AlternateContent xmlns:mc="http://schemas.openxmlformats.org/markup-compatibility/2006" xmlns:a14="http://schemas.microsoft.com/office/drawing/2010/main">
+        <mc:Choice Requires="a14">
           <p:sp>
             <p:nvSpPr>
               <p:cNvPr id="12" name="pole tekstowe 11"/>
@@ -31697,7 +32092,7 @@
             </p:txBody>
           </p:sp>
         </mc:Choice>
-        <mc:Fallback>
+        <mc:Fallback xmlns="">
           <p:sp>
             <p:nvSpPr>
               <p:cNvPr id="12" name="pole tekstowe 11"/>
@@ -31736,8 +32131,8 @@
           </p:sp>
         </mc:Fallback>
       </mc:AlternateContent>
-      <mc:AlternateContent xmlns:mc="http://schemas.openxmlformats.org/markup-compatibility/2006">
-        <mc:Choice xmlns:a14="http://schemas.microsoft.com/office/drawing/2010/main" Requires="a14">
+      <mc:AlternateContent xmlns:mc="http://schemas.openxmlformats.org/markup-compatibility/2006" xmlns:a14="http://schemas.microsoft.com/office/drawing/2010/main">
+        <mc:Choice Requires="a14">
           <p:sp>
             <p:nvSpPr>
               <p:cNvPr id="17" name="Prostokąt 16"/>
@@ -31843,7 +32238,7 @@
             </p:txBody>
           </p:sp>
         </mc:Choice>
-        <mc:Fallback>
+        <mc:Fallback xmlns="">
           <p:sp>
             <p:nvSpPr>
               <p:cNvPr id="17" name="Prostokąt 16"/>
@@ -32000,8 +32395,8 @@
           </a:xfrm>
         </p:spPr>
       </p:pic>
-      <mc:AlternateContent xmlns:mc="http://schemas.openxmlformats.org/markup-compatibility/2006">
-        <mc:Choice xmlns:a14="http://schemas.microsoft.com/office/drawing/2010/main" Requires="a14">
+      <mc:AlternateContent xmlns:mc="http://schemas.openxmlformats.org/markup-compatibility/2006" xmlns:a14="http://schemas.microsoft.com/office/drawing/2010/main">
+        <mc:Choice Requires="a14">
           <p:sp>
             <p:nvSpPr>
               <p:cNvPr id="5" name="Prostokąt 4"/>
@@ -32047,7 +32442,7 @@
                       <m:jc m:val="centerGroup"/>
                     </m:oMathParaPr>
                     <m:oMath xmlns:m="http://schemas.openxmlformats.org/officeDocument/2006/math">
-                      <a:fld id="{D3C4705C-F2DA-4122-BF8E-75713995BD73}" type="mathplaceholder">
+                      <a:fld id="{DE09AD08-940E-4710-9490-F9680A0423E5}" type="mathplaceholder">
                         <a:rPr lang="pl-PL" i="1" smtClean="0">
                           <a:latin typeface="Cambria Math" panose="02040503050406030204" pitchFamily="18" charset="0"/>
                         </a:rPr>
@@ -32061,7 +32456,7 @@
             </p:txBody>
           </p:sp>
         </mc:Choice>
-        <mc:Fallback>
+        <mc:Fallback xmlns="">
           <p:sp>
             <p:nvSpPr>
               <p:cNvPr id="5" name="Prostokąt 4"/>
@@ -32100,8 +32495,8 @@
           </p:sp>
         </mc:Fallback>
       </mc:AlternateContent>
-      <mc:AlternateContent xmlns:mc="http://schemas.openxmlformats.org/markup-compatibility/2006">
-        <mc:Choice xmlns:a14="http://schemas.microsoft.com/office/drawing/2010/main" Requires="a14">
+      <mc:AlternateContent xmlns:mc="http://schemas.openxmlformats.org/markup-compatibility/2006" xmlns:a14="http://schemas.microsoft.com/office/drawing/2010/main">
+        <mc:Choice Requires="a14">
           <p:sp>
             <p:nvSpPr>
               <p:cNvPr id="6" name="pole tekstowe 5"/>
@@ -32402,13 +32797,7 @@
                                     <a:rPr lang="pl-PL" sz="2400" b="0" i="1" smtClean="0">
                                       <a:latin typeface="Cambria Math" panose="02040503050406030204" pitchFamily="18" charset="0"/>
                                     </a:rPr>
-                                    <m:t>+</m:t>
-                                  </m:r>
-                                  <m:r>
-                                    <a:rPr lang="pl-PL" sz="2400" b="0" i="1" smtClean="0">
-                                      <a:latin typeface="Cambria Math" panose="02040503050406030204" pitchFamily="18" charset="0"/>
-                                    </a:rPr>
-                                    <m:t>1/2,</m:t>
+                                    <m:t>+1/2,</m:t>
                                   </m:r>
                                   <m:r>
                                     <a:rPr lang="pl-PL" sz="2400" b="0" i="1" smtClean="0">
@@ -32800,7 +33189,7 @@
             </p:txBody>
           </p:sp>
         </mc:Choice>
-        <mc:Fallback>
+        <mc:Fallback xmlns="">
           <p:sp>
             <p:nvSpPr>
               <p:cNvPr id="6" name="pole tekstowe 5"/>
@@ -32979,8 +33368,8 @@
           </p:sp>
         </mc:Fallback>
       </mc:AlternateContent>
-      <mc:AlternateContent xmlns:mc="http://schemas.openxmlformats.org/markup-compatibility/2006">
-        <mc:Choice xmlns:a14="http://schemas.microsoft.com/office/drawing/2010/main" Requires="a14">
+      <mc:AlternateContent xmlns:mc="http://schemas.openxmlformats.org/markup-compatibility/2006" xmlns:a14="http://schemas.microsoft.com/office/drawing/2010/main">
+        <mc:Choice Requires="a14">
           <p:sp>
             <p:nvSpPr>
               <p:cNvPr id="11" name="Prostokąt 10"/>
@@ -33080,7 +33469,7 @@
             </p:txBody>
           </p:sp>
         </mc:Choice>
-        <mc:Fallback>
+        <mc:Fallback xmlns="">
           <p:sp>
             <p:nvSpPr>
               <p:cNvPr id="11" name="Prostokąt 10"/>
@@ -33195,8 +33584,8 @@
           </a:p>
         </p:txBody>
       </p:sp>
-      <mc:AlternateContent xmlns:mc="http://schemas.openxmlformats.org/markup-compatibility/2006">
-        <mc:Choice xmlns:a14="http://schemas.microsoft.com/office/drawing/2010/main" Requires="a14">
+      <mc:AlternateContent xmlns:mc="http://schemas.openxmlformats.org/markup-compatibility/2006" xmlns:a14="http://schemas.microsoft.com/office/drawing/2010/main">
+        <mc:Choice Requires="a14">
           <p:sp>
             <p:nvSpPr>
               <p:cNvPr id="12" name="pole tekstowe 11"/>
@@ -33484,7 +33873,7 @@
             </p:txBody>
           </p:sp>
         </mc:Choice>
-        <mc:Fallback>
+        <mc:Fallback xmlns="">
           <p:sp>
             <p:nvSpPr>
               <p:cNvPr id="12" name="pole tekstowe 11"/>
@@ -33523,8 +33912,8 @@
           </p:sp>
         </mc:Fallback>
       </mc:AlternateContent>
-      <mc:AlternateContent xmlns:mc="http://schemas.openxmlformats.org/markup-compatibility/2006">
-        <mc:Choice xmlns:a14="http://schemas.microsoft.com/office/drawing/2010/main" Requires="a14">
+      <mc:AlternateContent xmlns:mc="http://schemas.openxmlformats.org/markup-compatibility/2006" xmlns:a14="http://schemas.microsoft.com/office/drawing/2010/main">
+        <mc:Choice Requires="a14">
           <p:sp>
             <p:nvSpPr>
               <p:cNvPr id="17" name="Prostokąt 16"/>
@@ -33630,7 +34019,7 @@
             </p:txBody>
           </p:sp>
         </mc:Choice>
-        <mc:Fallback>
+        <mc:Fallback xmlns="">
           <p:sp>
             <p:nvSpPr>
               <p:cNvPr id="17" name="Prostokąt 16"/>

--- a/prezentacja2.pptx
+++ b/prezentacja2.pptx
@@ -261,7 +261,7 @@
           <a:p>
             <a:fld id="{E6A2E73F-7595-4B6C-AD98-F4BC438EC655}" type="datetimeFigureOut">
               <a:rPr lang="pl-PL" smtClean="0"/>
-              <a:t>21.03.2019</a:t>
+              <a:t>22.03.2019</a:t>
             </a:fld>
             <a:endParaRPr lang="pl-PL"/>
           </a:p>
@@ -431,7 +431,7 @@
           <a:p>
             <a:fld id="{E6A2E73F-7595-4B6C-AD98-F4BC438EC655}" type="datetimeFigureOut">
               <a:rPr lang="pl-PL" smtClean="0"/>
-              <a:t>21.03.2019</a:t>
+              <a:t>22.03.2019</a:t>
             </a:fld>
             <a:endParaRPr lang="pl-PL"/>
           </a:p>
@@ -611,7 +611,7 @@
           <a:p>
             <a:fld id="{E6A2E73F-7595-4B6C-AD98-F4BC438EC655}" type="datetimeFigureOut">
               <a:rPr lang="pl-PL" smtClean="0"/>
-              <a:t>21.03.2019</a:t>
+              <a:t>22.03.2019</a:t>
             </a:fld>
             <a:endParaRPr lang="pl-PL"/>
           </a:p>
@@ -781,7 +781,7 @@
           <a:p>
             <a:fld id="{E6A2E73F-7595-4B6C-AD98-F4BC438EC655}" type="datetimeFigureOut">
               <a:rPr lang="pl-PL" smtClean="0"/>
-              <a:t>21.03.2019</a:t>
+              <a:t>22.03.2019</a:t>
             </a:fld>
             <a:endParaRPr lang="pl-PL"/>
           </a:p>
@@ -1027,7 +1027,7 @@
           <a:p>
             <a:fld id="{E6A2E73F-7595-4B6C-AD98-F4BC438EC655}" type="datetimeFigureOut">
               <a:rPr lang="pl-PL" smtClean="0"/>
-              <a:t>21.03.2019</a:t>
+              <a:t>22.03.2019</a:t>
             </a:fld>
             <a:endParaRPr lang="pl-PL"/>
           </a:p>
@@ -1259,7 +1259,7 @@
           <a:p>
             <a:fld id="{E6A2E73F-7595-4B6C-AD98-F4BC438EC655}" type="datetimeFigureOut">
               <a:rPr lang="pl-PL" smtClean="0"/>
-              <a:t>21.03.2019</a:t>
+              <a:t>22.03.2019</a:t>
             </a:fld>
             <a:endParaRPr lang="pl-PL"/>
           </a:p>
@@ -1626,7 +1626,7 @@
           <a:p>
             <a:fld id="{E6A2E73F-7595-4B6C-AD98-F4BC438EC655}" type="datetimeFigureOut">
               <a:rPr lang="pl-PL" smtClean="0"/>
-              <a:t>21.03.2019</a:t>
+              <a:t>22.03.2019</a:t>
             </a:fld>
             <a:endParaRPr lang="pl-PL"/>
           </a:p>
@@ -1744,7 +1744,7 @@
           <a:p>
             <a:fld id="{E6A2E73F-7595-4B6C-AD98-F4BC438EC655}" type="datetimeFigureOut">
               <a:rPr lang="pl-PL" smtClean="0"/>
-              <a:t>21.03.2019</a:t>
+              <a:t>22.03.2019</a:t>
             </a:fld>
             <a:endParaRPr lang="pl-PL"/>
           </a:p>
@@ -1839,7 +1839,7 @@
           <a:p>
             <a:fld id="{E6A2E73F-7595-4B6C-AD98-F4BC438EC655}" type="datetimeFigureOut">
               <a:rPr lang="pl-PL" smtClean="0"/>
-              <a:t>21.03.2019</a:t>
+              <a:t>22.03.2019</a:t>
             </a:fld>
             <a:endParaRPr lang="pl-PL"/>
           </a:p>
@@ -2116,7 +2116,7 @@
           <a:p>
             <a:fld id="{E6A2E73F-7595-4B6C-AD98-F4BC438EC655}" type="datetimeFigureOut">
               <a:rPr lang="pl-PL" smtClean="0"/>
-              <a:t>21.03.2019</a:t>
+              <a:t>22.03.2019</a:t>
             </a:fld>
             <a:endParaRPr lang="pl-PL"/>
           </a:p>
@@ -2369,7 +2369,7 @@
           <a:p>
             <a:fld id="{E6A2E73F-7595-4B6C-AD98-F4BC438EC655}" type="datetimeFigureOut">
               <a:rPr lang="pl-PL" smtClean="0"/>
-              <a:t>21.03.2019</a:t>
+              <a:t>22.03.2019</a:t>
             </a:fld>
             <a:endParaRPr lang="pl-PL"/>
           </a:p>
@@ -2582,7 +2582,7 @@
           <a:p>
             <a:fld id="{E6A2E73F-7595-4B6C-AD98-F4BC438EC655}" type="datetimeFigureOut">
               <a:rPr lang="pl-PL" smtClean="0"/>
-              <a:t>21.03.2019</a:t>
+              <a:t>22.03.2019</a:t>
             </a:fld>
             <a:endParaRPr lang="pl-PL"/>
           </a:p>
@@ -3161,7 +3161,7 @@
                       <m:jc m:val="centerGroup"/>
                     </m:oMathParaPr>
                     <m:oMath xmlns:m="http://schemas.openxmlformats.org/officeDocument/2006/math">
-                      <a:fld id="{74EEDF60-5ACC-4FBF-BE36-8345328082C2}" type="mathplaceholder">
+                      <a:fld id="{40999944-F973-46B3-9A03-677992E76B09}" type="mathplaceholder">
                         <a:rPr lang="pl-PL" i="1" smtClean="0">
                           <a:latin typeface="Cambria Math" panose="02040503050406030204" pitchFamily="18" charset="0"/>
                         </a:rPr>
@@ -4934,7 +4934,7 @@
                       <m:jc m:val="centerGroup"/>
                     </m:oMathParaPr>
                     <m:oMath xmlns:m="http://schemas.openxmlformats.org/officeDocument/2006/math">
-                      <a:fld id="{8FEABEFE-E034-45E2-AAF6-A92D84995326}" type="mathplaceholder">
+                      <a:fld id="{D0433AA3-1D39-4448-B86B-E15B20A30402}" type="mathplaceholder">
                         <a:rPr lang="pl-PL" i="1" smtClean="0">
                           <a:latin typeface="Cambria Math" panose="02040503050406030204" pitchFamily="18" charset="0"/>
                         </a:rPr>
@@ -6807,8 +6807,8 @@
           </a:p>
         </p:txBody>
       </p:sp>
-      <mc:AlternateContent xmlns:mc="http://schemas.openxmlformats.org/markup-compatibility/2006">
-        <mc:Choice xmlns:a14="http://schemas.microsoft.com/office/drawing/2010/main" Requires="a14">
+      <mc:AlternateContent xmlns:mc="http://schemas.openxmlformats.org/markup-compatibility/2006" xmlns:a14="http://schemas.microsoft.com/office/drawing/2010/main">
+        <mc:Choice Requires="a14">
           <p:sp>
             <p:nvSpPr>
               <p:cNvPr id="3" name="Symbol zastępczy zawartości 2"/>
@@ -7474,7 +7474,7 @@
             </p:txBody>
           </p:sp>
         </mc:Choice>
-        <mc:Fallback>
+        <mc:Fallback xmlns="">
           <p:sp>
             <p:nvSpPr>
               <p:cNvPr id="3" name="Symbol zastępczy zawartości 2"/>
@@ -7798,8 +7798,8 @@
           </a:xfrm>
         </p:spPr>
       </p:pic>
-      <mc:AlternateContent xmlns:mc="http://schemas.openxmlformats.org/markup-compatibility/2006">
-        <mc:Choice xmlns:a14="http://schemas.microsoft.com/office/drawing/2010/main" Requires="a14">
+      <mc:AlternateContent xmlns:mc="http://schemas.openxmlformats.org/markup-compatibility/2006" xmlns:a14="http://schemas.microsoft.com/office/drawing/2010/main">
+        <mc:Choice Requires="a14">
           <p:sp>
             <p:nvSpPr>
               <p:cNvPr id="5" name="Prostokąt 4"/>
@@ -7845,7 +7845,7 @@
                       <m:jc m:val="centerGroup"/>
                     </m:oMathParaPr>
                     <m:oMath xmlns:m="http://schemas.openxmlformats.org/officeDocument/2006/math">
-                      <a:fld id="{B54D7D38-DAE9-4F93-8CB5-190AFEF23C58}" type="mathplaceholder">
+                      <a:fld id="{B33B69AD-C281-4CFB-9762-94B7A7BD1B10}" type="mathplaceholder">
                         <a:rPr lang="pl-PL" i="1" smtClean="0">
                           <a:latin typeface="Cambria Math" panose="02040503050406030204" pitchFamily="18" charset="0"/>
                         </a:rPr>
@@ -7859,7 +7859,7 @@
             </p:txBody>
           </p:sp>
         </mc:Choice>
-        <mc:Fallback>
+        <mc:Fallback xmlns="">
           <p:sp>
             <p:nvSpPr>
               <p:cNvPr id="5" name="Prostokąt 4"/>
@@ -9108,8 +9108,8 @@
           </a:p>
         </p:txBody>
       </p:sp>
-      <mc:AlternateContent xmlns:mc="http://schemas.openxmlformats.org/markup-compatibility/2006">
-        <mc:Choice xmlns:a14="http://schemas.microsoft.com/office/drawing/2010/main" Requires="a14">
+      <mc:AlternateContent xmlns:mc="http://schemas.openxmlformats.org/markup-compatibility/2006" xmlns:a14="http://schemas.microsoft.com/office/drawing/2010/main">
+        <mc:Choice Requires="a14">
           <p:sp>
             <p:nvSpPr>
               <p:cNvPr id="17" name="Prostokąt 16"/>
@@ -9155,7 +9155,7 @@
                       <m:jc m:val="centerGroup"/>
                     </m:oMathParaPr>
                     <m:oMath xmlns:m="http://schemas.openxmlformats.org/officeDocument/2006/math">
-                      <a:fld id="{D13087B4-AA77-447F-8A4B-E2BFCB6191C5}" type="mathplaceholder">
+                      <a:fld id="{CB48D1D1-5E82-48DF-AC70-D0AF257C446C}" type="mathplaceholder">
                         <a:rPr lang="pl-PL" i="1" smtClean="0">
                           <a:latin typeface="Cambria Math" panose="02040503050406030204" pitchFamily="18" charset="0"/>
                         </a:rPr>
@@ -9169,7 +9169,7 @@
             </p:txBody>
           </p:sp>
         </mc:Choice>
-        <mc:Fallback>
+        <mc:Fallback xmlns="">
           <p:sp>
             <p:nvSpPr>
               <p:cNvPr id="17" name="Prostokąt 16"/>
@@ -9208,8 +9208,8 @@
           </p:sp>
         </mc:Fallback>
       </mc:AlternateContent>
-      <mc:AlternateContent xmlns:mc="http://schemas.openxmlformats.org/markup-compatibility/2006">
-        <mc:Choice xmlns:a14="http://schemas.microsoft.com/office/drawing/2010/main" Requires="a14">
+      <mc:AlternateContent xmlns:mc="http://schemas.openxmlformats.org/markup-compatibility/2006" xmlns:a14="http://schemas.microsoft.com/office/drawing/2010/main">
+        <mc:Choice Requires="a14">
           <p:sp>
             <p:nvSpPr>
               <p:cNvPr id="12" name="Prostokąt 11"/>
@@ -9231,6 +9231,7 @@
               </a:bodyPr>
               <a:lstStyle/>
               <a:p>
+                <a:pPr/>
                 <a14:m>
                   <m:oMathPara xmlns:m="http://schemas.openxmlformats.org/officeDocument/2006/math">
                     <m:oMathParaPr>
@@ -9394,7 +9395,7 @@
             </p:txBody>
           </p:sp>
         </mc:Choice>
-        <mc:Fallback>
+        <mc:Fallback xmlns="">
           <p:sp>
             <p:nvSpPr>
               <p:cNvPr id="12" name="Prostokąt 11"/>
@@ -9565,7 +9566,7 @@
                       <m:jc m:val="centerGroup"/>
                     </m:oMathParaPr>
                     <m:oMath xmlns:m="http://schemas.openxmlformats.org/officeDocument/2006/math">
-                      <a:fld id="{12B8AACF-C163-45AE-94E4-220240202C2A}" type="mathplaceholder">
+                      <a:fld id="{78322CB7-7AEC-4B24-AA97-B1AAE1377956}" type="mathplaceholder">
                         <a:rPr lang="pl-PL" i="1" smtClean="0">
                           <a:latin typeface="Cambria Math" panose="02040503050406030204" pitchFamily="18" charset="0"/>
                         </a:rPr>
@@ -11251,7 +11252,7 @@
                       <m:jc m:val="centerGroup"/>
                     </m:oMathParaPr>
                     <m:oMath xmlns:m="http://schemas.openxmlformats.org/officeDocument/2006/math">
-                      <a:fld id="{16086103-F15B-4531-85C2-2D5C05B5BC1E}" type="mathplaceholder">
+                      <a:fld id="{8495039C-D9AF-4115-89B1-219071BAE85F}" type="mathplaceholder">
                         <a:rPr lang="pl-PL" i="1" smtClean="0">
                           <a:latin typeface="Cambria Math" panose="02040503050406030204" pitchFamily="18" charset="0"/>
                         </a:rPr>
@@ -12937,7 +12938,7 @@
                       <m:jc m:val="centerGroup"/>
                     </m:oMathParaPr>
                     <m:oMath xmlns:m="http://schemas.openxmlformats.org/officeDocument/2006/math">
-                      <a:fld id="{D14D5423-A2E9-42F1-81F9-C07240788DA2}" type="mathplaceholder">
+                      <a:fld id="{B726D490-43C7-4177-9286-D214E3337AFE}" type="mathplaceholder">
                         <a:rPr lang="pl-PL" i="1" smtClean="0">
                           <a:latin typeface="Cambria Math" panose="02040503050406030204" pitchFamily="18" charset="0"/>
                         </a:rPr>
@@ -14723,7 +14724,7 @@
                       <m:jc m:val="centerGroup"/>
                     </m:oMathParaPr>
                     <m:oMath xmlns:m="http://schemas.openxmlformats.org/officeDocument/2006/math">
-                      <a:fld id="{2F144B56-3764-4A4E-BE3C-7B0443D6CAC6}" type="mathplaceholder">
+                      <a:fld id="{8A55F314-B3CF-450B-AFDE-98CF59C8A865}" type="mathplaceholder">
                         <a:rPr lang="pl-PL" i="1" smtClean="0">
                           <a:latin typeface="Cambria Math" panose="02040503050406030204" pitchFamily="18" charset="0"/>
                         </a:rPr>
@@ -24856,7 +24857,7 @@
                       <m:jc m:val="centerGroup"/>
                     </m:oMathParaPr>
                     <m:oMath xmlns:m="http://schemas.openxmlformats.org/officeDocument/2006/math">
-                      <a:fld id="{AC3C96C1-7C2B-4ED7-9CFB-FA7AA9D4D7FF}" type="mathplaceholder">
+                      <a:fld id="{11DB7CBA-19E7-432F-8A07-AF09083AFA24}" type="mathplaceholder">
                         <a:rPr lang="pl-PL" i="1" smtClean="0">
                           <a:latin typeface="Cambria Math" panose="02040503050406030204" pitchFamily="18" charset="0"/>
                         </a:rPr>
@@ -26909,7 +26910,7 @@
                       <m:jc m:val="centerGroup"/>
                     </m:oMathParaPr>
                     <m:oMath xmlns:m="http://schemas.openxmlformats.org/officeDocument/2006/math">
-                      <a:fld id="{6CD82C94-FADE-40DE-9C06-7D49BBEFE792}" type="mathplaceholder">
+                      <a:fld id="{837E2133-F435-401E-B850-D82F8580F94E}" type="mathplaceholder">
                         <a:rPr lang="pl-PL" i="1" smtClean="0">
                           <a:latin typeface="Cambria Math" panose="02040503050406030204" pitchFamily="18" charset="0"/>
                         </a:rPr>
@@ -28937,7 +28938,7 @@
                       <m:jc m:val="centerGroup"/>
                     </m:oMathParaPr>
                     <m:oMath xmlns:m="http://schemas.openxmlformats.org/officeDocument/2006/math">
-                      <a:fld id="{B6148CB7-7E5E-49E7-B372-0D07591141C2}" type="mathplaceholder">
+                      <a:fld id="{3CC3CA9F-79A6-460A-A7D2-B592D624B68C}" type="mathplaceholder">
                         <a:rPr lang="pl-PL" i="1" smtClean="0">
                           <a:latin typeface="Cambria Math" panose="02040503050406030204" pitchFamily="18" charset="0"/>
                         </a:rPr>
@@ -28990,8 +28991,8 @@
           </p:sp>
         </mc:Fallback>
       </mc:AlternateContent>
-      <mc:AlternateContent xmlns:mc="http://schemas.openxmlformats.org/markup-compatibility/2006" xmlns:a14="http://schemas.microsoft.com/office/drawing/2010/main">
-        <mc:Choice Requires="a14">
+      <mc:AlternateContent xmlns:mc="http://schemas.openxmlformats.org/markup-compatibility/2006">
+        <mc:Choice xmlns:a14="http://schemas.microsoft.com/office/drawing/2010/main" Requires="a14">
           <p:sp>
             <p:nvSpPr>
               <p:cNvPr id="6" name="pole tekstowe 5"/>
@@ -29001,7 +29002,7 @@
             <p:spPr>
               <a:xfrm>
                 <a:off x="-307042" y="3915653"/>
-                <a:ext cx="13083990" cy="1839158"/>
+                <a:ext cx="13083990" cy="1714444"/>
               </a:xfrm>
               <a:prstGeom prst="rect">
                 <a:avLst/>
@@ -29438,7 +29439,7 @@
                                 <a:rPr lang="pl-PL" sz="2400" b="0" i="1" smtClean="0">
                                   <a:latin typeface="Cambria Math" panose="02040503050406030204" pitchFamily="18" charset="0"/>
                                 </a:rPr>
-                                <m:t>𝑦</m:t>
+                                <m:t>𝑥</m:t>
                               </m:r>
                             </m:den>
                           </m:f>
@@ -29602,7 +29603,7 @@
             </p:txBody>
           </p:sp>
         </mc:Choice>
-        <mc:Fallback xmlns="">
+        <mc:Fallback>
           <p:sp>
             <p:nvSpPr>
               <p:cNvPr id="6" name="pole tekstowe 5"/>
@@ -29614,7 +29615,7 @@
             <p:spPr>
               <a:xfrm>
                 <a:off x="-307042" y="3915653"/>
-                <a:ext cx="13083990" cy="1839158"/>
+                <a:ext cx="13083990" cy="1714444"/>
               </a:xfrm>
               <a:prstGeom prst="rect">
                 <a:avLst/>
@@ -30636,7 +30637,7 @@
                       <m:jc m:val="centerGroup"/>
                     </m:oMathParaPr>
                     <m:oMath xmlns:m="http://schemas.openxmlformats.org/officeDocument/2006/math">
-                      <a:fld id="{08C35988-4875-4898-8D3E-F5EC52516CE7}" type="mathplaceholder">
+                      <a:fld id="{6A570584-1C12-48F5-8E87-E37DD9B5D25A}" type="mathplaceholder">
                         <a:rPr lang="pl-PL" i="1" smtClean="0">
                           <a:latin typeface="Cambria Math" panose="02040503050406030204" pitchFamily="18" charset="0"/>
                         </a:rPr>
@@ -30689,8 +30690,8 @@
           </p:sp>
         </mc:Fallback>
       </mc:AlternateContent>
-      <mc:AlternateContent xmlns:mc="http://schemas.openxmlformats.org/markup-compatibility/2006" xmlns:a14="http://schemas.microsoft.com/office/drawing/2010/main">
-        <mc:Choice Requires="a14">
+      <mc:AlternateContent xmlns:mc="http://schemas.openxmlformats.org/markup-compatibility/2006">
+        <mc:Choice xmlns:a14="http://schemas.microsoft.com/office/drawing/2010/main" Requires="a14">
           <p:sp>
             <p:nvSpPr>
               <p:cNvPr id="6" name="pole tekstowe 5"/>
@@ -31137,7 +31138,7 @@
                                 <a:rPr lang="pl-PL" sz="2400" b="0" i="1" smtClean="0">
                                   <a:latin typeface="Cambria Math" panose="02040503050406030204" pitchFamily="18" charset="0"/>
                                 </a:rPr>
-                                <m:t>𝑦</m:t>
+                                <m:t>𝑥</m:t>
                               </m:r>
                             </m:den>
                           </m:f>
@@ -31408,7 +31409,7 @@
             </p:txBody>
           </p:sp>
         </mc:Choice>
-        <mc:Fallback xmlns="">
+        <mc:Fallback>
           <p:sp>
             <p:nvSpPr>
               <p:cNvPr id="6" name="pole tekstowe 5"/>
@@ -32442,7 +32443,7 @@
                       <m:jc m:val="centerGroup"/>
                     </m:oMathParaPr>
                     <m:oMath xmlns:m="http://schemas.openxmlformats.org/officeDocument/2006/math">
-                      <a:fld id="{DE09AD08-940E-4710-9490-F9680A0423E5}" type="mathplaceholder">
+                      <a:fld id="{467EF5FD-9424-4037-A1E2-8BD6A566EE29}" type="mathplaceholder">
                         <a:rPr lang="pl-PL" i="1" smtClean="0">
                           <a:latin typeface="Cambria Math" panose="02040503050406030204" pitchFamily="18" charset="0"/>
                         </a:rPr>
@@ -32495,8 +32496,8 @@
           </p:sp>
         </mc:Fallback>
       </mc:AlternateContent>
-      <mc:AlternateContent xmlns:mc="http://schemas.openxmlformats.org/markup-compatibility/2006" xmlns:a14="http://schemas.microsoft.com/office/drawing/2010/main">
-        <mc:Choice Requires="a14">
+      <mc:AlternateContent xmlns:mc="http://schemas.openxmlformats.org/markup-compatibility/2006">
+        <mc:Choice xmlns:a14="http://schemas.microsoft.com/office/drawing/2010/main" Requires="a14">
           <p:sp>
             <p:nvSpPr>
               <p:cNvPr id="6" name="pole tekstowe 5"/>
@@ -32506,7 +32507,7 @@
             <p:spPr>
               <a:xfrm>
                 <a:off x="-307042" y="3915653"/>
-                <a:ext cx="13083990" cy="1538819"/>
+                <a:ext cx="13083990" cy="1424044"/>
               </a:xfrm>
               <a:prstGeom prst="rect">
                 <a:avLst/>
@@ -32918,7 +32919,7 @@
                                 <a:rPr lang="pl-PL" sz="2400" b="0" i="1" smtClean="0">
                                   <a:latin typeface="Cambria Math" panose="02040503050406030204" pitchFamily="18" charset="0"/>
                                 </a:rPr>
-                                <m:t>𝑦</m:t>
+                                <m:t>𝑥</m:t>
                               </m:r>
                             </m:den>
                           </m:f>
@@ -33189,7 +33190,7 @@
             </p:txBody>
           </p:sp>
         </mc:Choice>
-        <mc:Fallback xmlns="">
+        <mc:Fallback>
           <p:sp>
             <p:nvSpPr>
               <p:cNvPr id="6" name="pole tekstowe 5"/>
@@ -33201,7 +33202,7 @@
             <p:spPr>
               <a:xfrm>
                 <a:off x="-307042" y="3915653"/>
-                <a:ext cx="13083990" cy="1538819"/>
+                <a:ext cx="13083990" cy="1424044"/>
               </a:xfrm>
               <a:prstGeom prst="rect">
                 <a:avLst/>
